--- a/Module 3 - Data Analysis and Machine Learning/project/Project_Presentation.pptx
+++ b/Module 3 - Data Analysis and Machine Learning/project/Project_Presentation.pptx
@@ -6,13 +6,14 @@
   </p:sldMasterIdLst>
   <p:sldIdLst>
     <p:sldId id="256" r:id="rId2"/>
-    <p:sldId id="258" r:id="rId3"/>
-    <p:sldId id="259" r:id="rId4"/>
-    <p:sldId id="257" r:id="rId5"/>
-    <p:sldId id="260" r:id="rId6"/>
-    <p:sldId id="261" r:id="rId7"/>
-    <p:sldId id="262" r:id="rId8"/>
-    <p:sldId id="263" r:id="rId9"/>
+    <p:sldId id="264" r:id="rId3"/>
+    <p:sldId id="258" r:id="rId4"/>
+    <p:sldId id="259" r:id="rId5"/>
+    <p:sldId id="257" r:id="rId6"/>
+    <p:sldId id="260" r:id="rId7"/>
+    <p:sldId id="261" r:id="rId8"/>
+    <p:sldId id="262" r:id="rId9"/>
+    <p:sldId id="263" r:id="rId10"/>
   </p:sldIdLst>
   <p:sldSz cx="12192000" cy="6858000"/>
   <p:notesSz cx="6858000" cy="9144000"/>
@@ -111,6 +112,11 @@
       </a:defRPr>
     </a:lvl9pPr>
   </p:defaultTextStyle>
+  <p:extLst>
+    <p:ext uri="{EFAFB233-063F-42B5-8137-9DF3F51BA10A}">
+      <p15:sldGuideLst xmlns:p15="http://schemas.microsoft.com/office/powerpoint/2012/main"/>
+    </p:ext>
+  </p:extLst>
 </p:presentation>
 </file>
 
@@ -263,7 +269,7 @@
           <a:p>
             <a:fld id="{E850F1F8-526C-4E10-A437-499019A51331}" type="datetimeFigureOut">
               <a:rPr lang="de-CH" smtClean="0"/>
-              <a:t>20.11.2023</a:t>
+              <a:t>25.11.2023</a:t>
             </a:fld>
             <a:endParaRPr lang="de-CH"/>
           </a:p>
@@ -463,7 +469,7 @@
           <a:p>
             <a:fld id="{E850F1F8-526C-4E10-A437-499019A51331}" type="datetimeFigureOut">
               <a:rPr lang="de-CH" smtClean="0"/>
-              <a:t>20.11.2023</a:t>
+              <a:t>25.11.2023</a:t>
             </a:fld>
             <a:endParaRPr lang="de-CH"/>
           </a:p>
@@ -673,7 +679,7 @@
           <a:p>
             <a:fld id="{E850F1F8-526C-4E10-A437-499019A51331}" type="datetimeFigureOut">
               <a:rPr lang="de-CH" smtClean="0"/>
-              <a:t>20.11.2023</a:t>
+              <a:t>25.11.2023</a:t>
             </a:fld>
             <a:endParaRPr lang="de-CH"/>
           </a:p>
@@ -873,7 +879,7 @@
           <a:p>
             <a:fld id="{E850F1F8-526C-4E10-A437-499019A51331}" type="datetimeFigureOut">
               <a:rPr lang="de-CH" smtClean="0"/>
-              <a:t>20.11.2023</a:t>
+              <a:t>25.11.2023</a:t>
             </a:fld>
             <a:endParaRPr lang="de-CH"/>
           </a:p>
@@ -1149,7 +1155,7 @@
           <a:p>
             <a:fld id="{E850F1F8-526C-4E10-A437-499019A51331}" type="datetimeFigureOut">
               <a:rPr lang="de-CH" smtClean="0"/>
-              <a:t>20.11.2023</a:t>
+              <a:t>25.11.2023</a:t>
             </a:fld>
             <a:endParaRPr lang="de-CH"/>
           </a:p>
@@ -1417,7 +1423,7 @@
           <a:p>
             <a:fld id="{E850F1F8-526C-4E10-A437-499019A51331}" type="datetimeFigureOut">
               <a:rPr lang="de-CH" smtClean="0"/>
-              <a:t>20.11.2023</a:t>
+              <a:t>25.11.2023</a:t>
             </a:fld>
             <a:endParaRPr lang="de-CH"/>
           </a:p>
@@ -1832,7 +1838,7 @@
           <a:p>
             <a:fld id="{E850F1F8-526C-4E10-A437-499019A51331}" type="datetimeFigureOut">
               <a:rPr lang="de-CH" smtClean="0"/>
-              <a:t>20.11.2023</a:t>
+              <a:t>25.11.2023</a:t>
             </a:fld>
             <a:endParaRPr lang="de-CH"/>
           </a:p>
@@ -1974,7 +1980,7 @@
           <a:p>
             <a:fld id="{E850F1F8-526C-4E10-A437-499019A51331}" type="datetimeFigureOut">
               <a:rPr lang="de-CH" smtClean="0"/>
-              <a:t>20.11.2023</a:t>
+              <a:t>25.11.2023</a:t>
             </a:fld>
             <a:endParaRPr lang="de-CH"/>
           </a:p>
@@ -2087,7 +2093,7 @@
           <a:p>
             <a:fld id="{E850F1F8-526C-4E10-A437-499019A51331}" type="datetimeFigureOut">
               <a:rPr lang="de-CH" smtClean="0"/>
-              <a:t>20.11.2023</a:t>
+              <a:t>25.11.2023</a:t>
             </a:fld>
             <a:endParaRPr lang="de-CH"/>
           </a:p>
@@ -2400,7 +2406,7 @@
           <a:p>
             <a:fld id="{E850F1F8-526C-4E10-A437-499019A51331}" type="datetimeFigureOut">
               <a:rPr lang="de-CH" smtClean="0"/>
-              <a:t>20.11.2023</a:t>
+              <a:t>25.11.2023</a:t>
             </a:fld>
             <a:endParaRPr lang="de-CH"/>
           </a:p>
@@ -2689,7 +2695,7 @@
           <a:p>
             <a:fld id="{E850F1F8-526C-4E10-A437-499019A51331}" type="datetimeFigureOut">
               <a:rPr lang="de-CH" smtClean="0"/>
-              <a:t>20.11.2023</a:t>
+              <a:t>25.11.2023</a:t>
             </a:fld>
             <a:endParaRPr lang="de-CH"/>
           </a:p>
@@ -2932,7 +2938,7 @@
           <a:p>
             <a:fld id="{E850F1F8-526C-4E10-A437-499019A51331}" type="datetimeFigureOut">
               <a:rPr lang="de-CH" smtClean="0"/>
-              <a:t>20.11.2023</a:t>
+              <a:t>25.11.2023</a:t>
             </a:fld>
             <a:endParaRPr lang="de-CH"/>
           </a:p>
@@ -3434,6 +3440,266 @@
           <p:cNvPr id="2" name="Titel 1">
             <a:extLst>
               <a:ext uri="{FF2B5EF4-FFF2-40B4-BE49-F238E27FC236}">
+                <a16:creationId xmlns:a16="http://schemas.microsoft.com/office/drawing/2014/main" id="{3C0EAD9C-AF8A-DE81-36ED-A24A592C7C79}"/>
+              </a:ext>
+            </a:extLst>
+          </p:cNvPr>
+          <p:cNvSpPr>
+            <a:spLocks noGrp="1"/>
+          </p:cNvSpPr>
+          <p:nvPr>
+            <p:ph type="title"/>
+          </p:nvPr>
+        </p:nvSpPr>
+        <p:spPr/>
+        <p:txBody>
+          <a:bodyPr/>
+          <a:lstStyle/>
+          <a:p>
+            <a:endParaRPr lang="de-CH"/>
+          </a:p>
+        </p:txBody>
+      </p:sp>
+      <p:sp>
+        <p:nvSpPr>
+          <p:cNvPr id="3" name="Inhaltsplatzhalter 2">
+            <a:extLst>
+              <a:ext uri="{FF2B5EF4-FFF2-40B4-BE49-F238E27FC236}">
+                <a16:creationId xmlns:a16="http://schemas.microsoft.com/office/drawing/2014/main" id="{6008C63D-1A2E-2324-1B05-9C7C71CC0BC2}"/>
+              </a:ext>
+            </a:extLst>
+          </p:cNvPr>
+          <p:cNvSpPr>
+            <a:spLocks noGrp="1"/>
+          </p:cNvSpPr>
+          <p:nvPr>
+            <p:ph idx="1"/>
+          </p:nvPr>
+        </p:nvSpPr>
+        <p:spPr/>
+        <p:txBody>
+          <a:bodyPr>
+            <a:normAutofit fontScale="70000" lnSpcReduction="20000"/>
+          </a:bodyPr>
+          <a:lstStyle/>
+          <a:p>
+            <a:r>
+              <a:rPr lang="de-CH" dirty="0"/>
+              <a:t>Story Badi kurz erläutern -&gt; Vik</a:t>
+            </a:r>
+          </a:p>
+          <a:p>
+            <a:pPr lvl="1"/>
+            <a:r>
+              <a:rPr lang="de-CH" dirty="0"/>
+              <a:t>Verfügbarkeit,</a:t>
+            </a:r>
+          </a:p>
+          <a:p>
+            <a:pPr lvl="1"/>
+            <a:r>
+              <a:rPr lang="de-CH" dirty="0"/>
+              <a:t>Wie sind wir an daten gekommen und welche Daten haben wir bekommen.</a:t>
+            </a:r>
+          </a:p>
+          <a:p>
+            <a:pPr marL="457200" lvl="1" indent="0">
+              <a:buNone/>
+            </a:pPr>
+            <a:endParaRPr lang="de-CH" dirty="0"/>
+          </a:p>
+          <a:p>
+            <a:r>
+              <a:rPr lang="de-CH" dirty="0"/>
+              <a:t>Fokus M3 (</a:t>
+            </a:r>
+            <a:r>
+              <a:rPr lang="de-CH" dirty="0" err="1"/>
+              <a:t>Availability</a:t>
+            </a:r>
+            <a:r>
+              <a:rPr lang="de-CH" dirty="0"/>
+              <a:t> über Zeit). Noch keine Wetter und Badi Daten. </a:t>
+            </a:r>
+            <a:r>
+              <a:rPr lang="de-CH" dirty="0">
+                <a:sym typeface="Wingdings" panose="05000000000000000000" pitchFamily="2" charset="2"/>
+              </a:rPr>
+              <a:t> Vik</a:t>
+            </a:r>
+            <a:endParaRPr lang="de-CH" dirty="0"/>
+          </a:p>
+          <a:p>
+            <a:pPr lvl="1"/>
+            <a:r>
+              <a:rPr lang="de-CH" dirty="0"/>
+              <a:t>Wissen das aktuelle Aufgabe leichter lösbar. Aber wegen </a:t>
+            </a:r>
+            <a:r>
+              <a:rPr lang="de-CH" dirty="0" err="1"/>
+              <a:t>aussicht</a:t>
+            </a:r>
+            <a:r>
+              <a:rPr lang="de-CH" dirty="0"/>
+              <a:t> auf Finales Projekt schonmal auf Neuronales Netzwerk fokussiert. </a:t>
+            </a:r>
+            <a:r>
+              <a:rPr lang="de-CH" dirty="0">
+                <a:sym typeface="Wingdings" panose="05000000000000000000" pitchFamily="2" charset="2"/>
+              </a:rPr>
+              <a:t> Vik</a:t>
+            </a:r>
+            <a:endParaRPr lang="de-CH" dirty="0"/>
+          </a:p>
+          <a:p>
+            <a:pPr lvl="1"/>
+            <a:r>
+              <a:rPr lang="de-CH" dirty="0"/>
+              <a:t>Kurz zeigen: Median gruppiert über Woche.  </a:t>
+            </a:r>
+            <a:r>
+              <a:rPr lang="de-CH" dirty="0">
+                <a:sym typeface="Wingdings" panose="05000000000000000000" pitchFamily="2" charset="2"/>
+              </a:rPr>
+              <a:t> Marco</a:t>
+            </a:r>
+            <a:endParaRPr lang="de-CH" dirty="0"/>
+          </a:p>
+          <a:p>
+            <a:pPr lvl="1"/>
+            <a:endParaRPr lang="de-CH" dirty="0"/>
+          </a:p>
+          <a:p>
+            <a:r>
+              <a:rPr lang="de-CH" dirty="0"/>
+              <a:t>Was haben ausprobiert</a:t>
+            </a:r>
+          </a:p>
+          <a:p>
+            <a:pPr lvl="1"/>
+            <a:r>
+              <a:rPr lang="de-CH" dirty="0"/>
+              <a:t>«….» Was Vik noch schafft </a:t>
+            </a:r>
+            <a:r>
+              <a:rPr lang="de-CH" dirty="0">
+                <a:sym typeface="Wingdings" panose="05000000000000000000" pitchFamily="2" charset="2"/>
+              </a:rPr>
+              <a:t> Vik</a:t>
+            </a:r>
+            <a:endParaRPr lang="de-CH" dirty="0"/>
+          </a:p>
+          <a:p>
+            <a:pPr lvl="1"/>
+            <a:r>
+              <a:rPr lang="de-CH" dirty="0"/>
+              <a:t>Neuronales Netz </a:t>
+            </a:r>
+            <a:r>
+              <a:rPr lang="de-CH" dirty="0">
+                <a:sym typeface="Wingdings" panose="05000000000000000000" pitchFamily="2" charset="2"/>
+              </a:rPr>
+              <a:t> </a:t>
+            </a:r>
+            <a:r>
+              <a:rPr lang="de-CH" dirty="0" err="1">
+                <a:sym typeface="Wingdings" panose="05000000000000000000" pitchFamily="2" charset="2"/>
+              </a:rPr>
+              <a:t>Maroc</a:t>
+            </a:r>
+            <a:r>
+              <a:rPr lang="de-CH" dirty="0">
+                <a:sym typeface="Wingdings" panose="05000000000000000000" pitchFamily="2" charset="2"/>
+              </a:rPr>
+              <a:t> </a:t>
+            </a:r>
+            <a:endParaRPr lang="de-CH" dirty="0"/>
+          </a:p>
+          <a:p>
+            <a:pPr lvl="2"/>
+            <a:r>
+              <a:rPr lang="de-CH" dirty="0"/>
+              <a:t>Daten </a:t>
+            </a:r>
+            <a:r>
+              <a:rPr lang="de-CH" dirty="0" err="1"/>
+              <a:t>aufberautung</a:t>
+            </a:r>
+            <a:endParaRPr lang="de-CH" dirty="0"/>
+          </a:p>
+          <a:p>
+            <a:pPr lvl="2"/>
+            <a:r>
+              <a:rPr lang="de-CH" dirty="0" err="1"/>
+              <a:t>Achitektur</a:t>
+            </a:r>
+            <a:r>
+              <a:rPr lang="de-CH" dirty="0"/>
+              <a:t> des neuronalen Netz</a:t>
+            </a:r>
+          </a:p>
+          <a:p>
+            <a:pPr lvl="2"/>
+            <a:r>
+              <a:rPr lang="de-CH" dirty="0"/>
+              <a:t>Variation in Daten und Parametern</a:t>
+            </a:r>
+          </a:p>
+          <a:p>
+            <a:r>
+              <a:rPr lang="de-CH" dirty="0"/>
+              <a:t>Resultat </a:t>
+            </a:r>
+          </a:p>
+          <a:p>
+            <a:endParaRPr lang="de-CH" dirty="0"/>
+          </a:p>
+          <a:p>
+            <a:endParaRPr lang="de-CH" dirty="0"/>
+          </a:p>
+          <a:p>
+            <a:pPr marL="0" indent="0">
+              <a:buNone/>
+            </a:pPr>
+            <a:endParaRPr lang="de-CH" dirty="0"/>
+          </a:p>
+        </p:txBody>
+      </p:sp>
+    </p:spTree>
+    <p:extLst>
+      <p:ext uri="{BB962C8B-B14F-4D97-AF65-F5344CB8AC3E}">
+        <p14:creationId xmlns:p14="http://schemas.microsoft.com/office/powerpoint/2010/main" val="3398020138"/>
+      </p:ext>
+    </p:extLst>
+  </p:cSld>
+  <p:clrMapOvr>
+    <a:masterClrMapping/>
+  </p:clrMapOvr>
+</p:sld>
+</file>
+
+<file path=ppt/slides/slide3.xml><?xml version="1.0" encoding="utf-8"?>
+<p:sld xmlns:a="http://schemas.openxmlformats.org/drawingml/2006/main" xmlns:r="http://schemas.openxmlformats.org/officeDocument/2006/relationships" xmlns:p="http://schemas.openxmlformats.org/presentationml/2006/main">
+  <p:cSld>
+    <p:spTree>
+      <p:nvGrpSpPr>
+        <p:cNvPr id="1" name=""/>
+        <p:cNvGrpSpPr/>
+        <p:nvPr/>
+      </p:nvGrpSpPr>
+      <p:grpSpPr>
+        <a:xfrm>
+          <a:off x="0" y="0"/>
+          <a:ext cx="0" cy="0"/>
+          <a:chOff x="0" y="0"/>
+          <a:chExt cx="0" cy="0"/>
+        </a:xfrm>
+      </p:grpSpPr>
+      <p:sp>
+        <p:nvSpPr>
+          <p:cNvPr id="2" name="Titel 1">
+            <a:extLst>
+              <a:ext uri="{FF2B5EF4-FFF2-40B4-BE49-F238E27FC236}">
                 <a16:creationId xmlns:a16="http://schemas.microsoft.com/office/drawing/2014/main" id="{DA376BF5-EDE1-2AEA-20E5-6EA61922C858}"/>
               </a:ext>
             </a:extLst>
@@ -3554,162 +3820,6 @@
 </p:sld>
 </file>
 
-<file path=ppt/slides/slide3.xml><?xml version="1.0" encoding="utf-8"?>
-<p:sld xmlns:a="http://schemas.openxmlformats.org/drawingml/2006/main" xmlns:r="http://schemas.openxmlformats.org/officeDocument/2006/relationships" xmlns:p="http://schemas.openxmlformats.org/presentationml/2006/main">
-  <p:cSld>
-    <p:spTree>
-      <p:nvGrpSpPr>
-        <p:cNvPr id="1" name=""/>
-        <p:cNvGrpSpPr/>
-        <p:nvPr/>
-      </p:nvGrpSpPr>
-      <p:grpSpPr>
-        <a:xfrm>
-          <a:off x="0" y="0"/>
-          <a:ext cx="0" cy="0"/>
-          <a:chOff x="0" y="0"/>
-          <a:chExt cx="0" cy="0"/>
-        </a:xfrm>
-      </p:grpSpPr>
-      <p:sp>
-        <p:nvSpPr>
-          <p:cNvPr id="2" name="Titel 1">
-            <a:extLst>
-              <a:ext uri="{FF2B5EF4-FFF2-40B4-BE49-F238E27FC236}">
-                <a16:creationId xmlns:a16="http://schemas.microsoft.com/office/drawing/2014/main" id="{B8831B51-0907-A204-F3A1-2EBE4FD5BC06}"/>
-              </a:ext>
-            </a:extLst>
-          </p:cNvPr>
-          <p:cNvSpPr>
-            <a:spLocks noGrp="1"/>
-          </p:cNvSpPr>
-          <p:nvPr>
-            <p:ph type="title"/>
-          </p:nvPr>
-        </p:nvSpPr>
-        <p:spPr/>
-        <p:txBody>
-          <a:bodyPr/>
-          <a:lstStyle/>
-          <a:p>
-            <a:r>
-              <a:rPr lang="de-CH" dirty="0"/>
-              <a:t>Model Parametrisierung</a:t>
-            </a:r>
-          </a:p>
-        </p:txBody>
-      </p:sp>
-      <p:sp>
-        <p:nvSpPr>
-          <p:cNvPr id="3" name="Inhaltsplatzhalter 2">
-            <a:extLst>
-              <a:ext uri="{FF2B5EF4-FFF2-40B4-BE49-F238E27FC236}">
-                <a16:creationId xmlns:a16="http://schemas.microsoft.com/office/drawing/2014/main" id="{FAD3D82E-8594-2D48-7361-EBE3421C0FF4}"/>
-              </a:ext>
-            </a:extLst>
-          </p:cNvPr>
-          <p:cNvSpPr>
-            <a:spLocks noGrp="1"/>
-          </p:cNvSpPr>
-          <p:nvPr>
-            <p:ph idx="1"/>
-          </p:nvPr>
-        </p:nvSpPr>
-        <p:spPr/>
-        <p:txBody>
-          <a:bodyPr/>
-          <a:lstStyle/>
-          <a:p>
-            <a:r>
-              <a:rPr lang="de-CH" dirty="0"/>
-              <a:t>Erst alle Station</a:t>
-            </a:r>
-            <a:r>
-              <a:rPr lang="de-CH" dirty="0">
-                <a:sym typeface="Wingdings" panose="05000000000000000000" pitchFamily="2" charset="2"/>
-              </a:rPr>
-              <a:t> zu wenig Daten. Mittelt sich aus, da die </a:t>
-            </a:r>
-            <a:r>
-              <a:rPr lang="de-CH" dirty="0" err="1">
-                <a:sym typeface="Wingdings" panose="05000000000000000000" pitchFamily="2" charset="2"/>
-              </a:rPr>
-              <a:t>bikes</a:t>
-            </a:r>
-            <a:r>
-              <a:rPr lang="de-CH" dirty="0">
-                <a:sym typeface="Wingdings" panose="05000000000000000000" pitchFamily="2" charset="2"/>
-              </a:rPr>
-              <a:t> sich über den Tag zwischen den Stationen hin und her schieben.</a:t>
-            </a:r>
-          </a:p>
-          <a:p>
-            <a:r>
-              <a:rPr lang="de-CH" dirty="0">
-                <a:sym typeface="Wingdings" panose="05000000000000000000" pitchFamily="2" charset="2"/>
-              </a:rPr>
-              <a:t>Dann lediglich eine Station aufs mal Trainiert.</a:t>
-            </a:r>
-          </a:p>
-          <a:p>
-            <a:r>
-              <a:rPr lang="de-CH" dirty="0">
-                <a:sym typeface="Wingdings" panose="05000000000000000000" pitchFamily="2" charset="2"/>
-              </a:rPr>
-              <a:t>Verfügbarkeit der Bikes in 3 Gruppen. Grund Parameter reduzieren und Gleichverteilung der Datenverteilung </a:t>
-            </a:r>
-          </a:p>
-          <a:p>
-            <a:pPr lvl="1"/>
-            <a:r>
-              <a:rPr lang="de-CH" dirty="0">
-                <a:sym typeface="Wingdings" panose="05000000000000000000" pitchFamily="2" charset="2"/>
-              </a:rPr>
-              <a:t>G0 = 0 oder 1 Bike</a:t>
-            </a:r>
-          </a:p>
-          <a:p>
-            <a:pPr lvl="1"/>
-            <a:r>
-              <a:rPr lang="de-CH" dirty="0">
-                <a:sym typeface="Wingdings" panose="05000000000000000000" pitchFamily="2" charset="2"/>
-              </a:rPr>
-              <a:t>G1 = 2-4</a:t>
-            </a:r>
-          </a:p>
-          <a:p>
-            <a:pPr lvl="1"/>
-            <a:r>
-              <a:rPr lang="de-CH" dirty="0">
-                <a:sym typeface="Wingdings" panose="05000000000000000000" pitchFamily="2" charset="2"/>
-              </a:rPr>
-              <a:t>G2 = &gt;4</a:t>
-            </a:r>
-          </a:p>
-          <a:p>
-            <a:endParaRPr lang="de-CH" dirty="0">
-              <a:sym typeface="Wingdings" panose="05000000000000000000" pitchFamily="2" charset="2"/>
-            </a:endParaRPr>
-          </a:p>
-          <a:p>
-            <a:pPr lvl="1"/>
-            <a:endParaRPr lang="de-CH" dirty="0"/>
-          </a:p>
-        </p:txBody>
-      </p:sp>
-    </p:spTree>
-    <p:extLst>
-      <p:ext uri="{BB962C8B-B14F-4D97-AF65-F5344CB8AC3E}">
-        <p14:creationId xmlns:p14="http://schemas.microsoft.com/office/powerpoint/2010/main" val="1886041110"/>
-      </p:ext>
-    </p:extLst>
-  </p:cSld>
-  <p:clrMapOvr>
-    <a:masterClrMapping/>
-  </p:clrMapOvr>
-</p:sld>
-</file>
-
 <file path=ppt/slides/slide4.xml><?xml version="1.0" encoding="utf-8"?>
 <p:sld xmlns:a="http://schemas.openxmlformats.org/drawingml/2006/main" xmlns:r="http://schemas.openxmlformats.org/officeDocument/2006/relationships" xmlns:p="http://schemas.openxmlformats.org/presentationml/2006/main">
   <p:cSld>
@@ -3732,6 +3842,162 @@
           <p:cNvPr id="2" name="Titel 1">
             <a:extLst>
               <a:ext uri="{FF2B5EF4-FFF2-40B4-BE49-F238E27FC236}">
+                <a16:creationId xmlns:a16="http://schemas.microsoft.com/office/drawing/2014/main" id="{B8831B51-0907-A204-F3A1-2EBE4FD5BC06}"/>
+              </a:ext>
+            </a:extLst>
+          </p:cNvPr>
+          <p:cNvSpPr>
+            <a:spLocks noGrp="1"/>
+          </p:cNvSpPr>
+          <p:nvPr>
+            <p:ph type="title"/>
+          </p:nvPr>
+        </p:nvSpPr>
+        <p:spPr/>
+        <p:txBody>
+          <a:bodyPr/>
+          <a:lstStyle/>
+          <a:p>
+            <a:r>
+              <a:rPr lang="de-CH" dirty="0"/>
+              <a:t>Model Parametrisierung</a:t>
+            </a:r>
+          </a:p>
+        </p:txBody>
+      </p:sp>
+      <p:sp>
+        <p:nvSpPr>
+          <p:cNvPr id="3" name="Inhaltsplatzhalter 2">
+            <a:extLst>
+              <a:ext uri="{FF2B5EF4-FFF2-40B4-BE49-F238E27FC236}">
+                <a16:creationId xmlns:a16="http://schemas.microsoft.com/office/drawing/2014/main" id="{FAD3D82E-8594-2D48-7361-EBE3421C0FF4}"/>
+              </a:ext>
+            </a:extLst>
+          </p:cNvPr>
+          <p:cNvSpPr>
+            <a:spLocks noGrp="1"/>
+          </p:cNvSpPr>
+          <p:nvPr>
+            <p:ph idx="1"/>
+          </p:nvPr>
+        </p:nvSpPr>
+        <p:spPr/>
+        <p:txBody>
+          <a:bodyPr/>
+          <a:lstStyle/>
+          <a:p>
+            <a:r>
+              <a:rPr lang="de-CH" dirty="0"/>
+              <a:t>Erst alle Station</a:t>
+            </a:r>
+            <a:r>
+              <a:rPr lang="de-CH" dirty="0">
+                <a:sym typeface="Wingdings" panose="05000000000000000000" pitchFamily="2" charset="2"/>
+              </a:rPr>
+              <a:t> zu wenig Daten. Mittelt sich aus, da die </a:t>
+            </a:r>
+            <a:r>
+              <a:rPr lang="de-CH" dirty="0" err="1">
+                <a:sym typeface="Wingdings" panose="05000000000000000000" pitchFamily="2" charset="2"/>
+              </a:rPr>
+              <a:t>bikes</a:t>
+            </a:r>
+            <a:r>
+              <a:rPr lang="de-CH" dirty="0">
+                <a:sym typeface="Wingdings" panose="05000000000000000000" pitchFamily="2" charset="2"/>
+              </a:rPr>
+              <a:t> sich über den Tag zwischen den Stationen hin und her schieben.</a:t>
+            </a:r>
+          </a:p>
+          <a:p>
+            <a:r>
+              <a:rPr lang="de-CH" dirty="0">
+                <a:sym typeface="Wingdings" panose="05000000000000000000" pitchFamily="2" charset="2"/>
+              </a:rPr>
+              <a:t>Dann lediglich eine Station aufs mal Trainiert.</a:t>
+            </a:r>
+          </a:p>
+          <a:p>
+            <a:r>
+              <a:rPr lang="de-CH" dirty="0">
+                <a:sym typeface="Wingdings" panose="05000000000000000000" pitchFamily="2" charset="2"/>
+              </a:rPr>
+              <a:t>Verfügbarkeit der Bikes in 3 Gruppen. Grund Parameter reduzieren und Gleichverteilung der Datenverteilung </a:t>
+            </a:r>
+          </a:p>
+          <a:p>
+            <a:pPr lvl="1"/>
+            <a:r>
+              <a:rPr lang="de-CH" dirty="0">
+                <a:sym typeface="Wingdings" panose="05000000000000000000" pitchFamily="2" charset="2"/>
+              </a:rPr>
+              <a:t>G0 = 0 oder 1 Bike</a:t>
+            </a:r>
+          </a:p>
+          <a:p>
+            <a:pPr lvl="1"/>
+            <a:r>
+              <a:rPr lang="de-CH" dirty="0">
+                <a:sym typeface="Wingdings" panose="05000000000000000000" pitchFamily="2" charset="2"/>
+              </a:rPr>
+              <a:t>G1 = 2-4</a:t>
+            </a:r>
+          </a:p>
+          <a:p>
+            <a:pPr lvl="1"/>
+            <a:r>
+              <a:rPr lang="de-CH" dirty="0">
+                <a:sym typeface="Wingdings" panose="05000000000000000000" pitchFamily="2" charset="2"/>
+              </a:rPr>
+              <a:t>G2 = &gt;4</a:t>
+            </a:r>
+          </a:p>
+          <a:p>
+            <a:endParaRPr lang="de-CH" dirty="0">
+              <a:sym typeface="Wingdings" panose="05000000000000000000" pitchFamily="2" charset="2"/>
+            </a:endParaRPr>
+          </a:p>
+          <a:p>
+            <a:pPr lvl="1"/>
+            <a:endParaRPr lang="de-CH" dirty="0"/>
+          </a:p>
+        </p:txBody>
+      </p:sp>
+    </p:spTree>
+    <p:extLst>
+      <p:ext uri="{BB962C8B-B14F-4D97-AF65-F5344CB8AC3E}">
+        <p14:creationId xmlns:p14="http://schemas.microsoft.com/office/powerpoint/2010/main" val="1886041110"/>
+      </p:ext>
+    </p:extLst>
+  </p:cSld>
+  <p:clrMapOvr>
+    <a:masterClrMapping/>
+  </p:clrMapOvr>
+</p:sld>
+</file>
+
+<file path=ppt/slides/slide5.xml><?xml version="1.0" encoding="utf-8"?>
+<p:sld xmlns:a="http://schemas.openxmlformats.org/drawingml/2006/main" xmlns:r="http://schemas.openxmlformats.org/officeDocument/2006/relationships" xmlns:p="http://schemas.openxmlformats.org/presentationml/2006/main">
+  <p:cSld>
+    <p:spTree>
+      <p:nvGrpSpPr>
+        <p:cNvPr id="1" name=""/>
+        <p:cNvGrpSpPr/>
+        <p:nvPr/>
+      </p:nvGrpSpPr>
+      <p:grpSpPr>
+        <a:xfrm>
+          <a:off x="0" y="0"/>
+          <a:ext cx="0" cy="0"/>
+          <a:chOff x="0" y="0"/>
+          <a:chExt cx="0" cy="0"/>
+        </a:xfrm>
+      </p:grpSpPr>
+      <p:sp>
+        <p:nvSpPr>
+          <p:cNvPr id="2" name="Titel 1">
+            <a:extLst>
+              <a:ext uri="{FF2B5EF4-FFF2-40B4-BE49-F238E27FC236}">
                 <a16:creationId xmlns:a16="http://schemas.microsoft.com/office/drawing/2014/main" id="{8CE508E6-F1B2-7D12-5DE4-D92BA1082A7C}"/>
               </a:ext>
             </a:extLst>
@@ -3838,7 +4104,7 @@
 </p:sld>
 </file>
 
-<file path=ppt/slides/slide5.xml><?xml version="1.0" encoding="utf-8"?>
+<file path=ppt/slides/slide6.xml><?xml version="1.0" encoding="utf-8"?>
 <p:sld xmlns:a="http://schemas.openxmlformats.org/drawingml/2006/main" xmlns:r="http://schemas.openxmlformats.org/officeDocument/2006/relationships" xmlns:p="http://schemas.openxmlformats.org/presentationml/2006/main">
   <p:cSld>
     <p:spTree>
@@ -3948,7 +4214,7 @@
 </p:sld>
 </file>
 
-<file path=ppt/slides/slide6.xml><?xml version="1.0" encoding="utf-8"?>
+<file path=ppt/slides/slide7.xml><?xml version="1.0" encoding="utf-8"?>
 <p:sld xmlns:a="http://schemas.openxmlformats.org/drawingml/2006/main" xmlns:r="http://schemas.openxmlformats.org/officeDocument/2006/relationships" xmlns:p="http://schemas.openxmlformats.org/presentationml/2006/main">
   <p:cSld>
     <p:spTree>
@@ -4058,7 +4324,7 @@
 </p:sld>
 </file>
 
-<file path=ppt/slides/slide7.xml><?xml version="1.0" encoding="utf-8"?>
+<file path=ppt/slides/slide8.xml><?xml version="1.0" encoding="utf-8"?>
 <p:sld xmlns:a="http://schemas.openxmlformats.org/drawingml/2006/main" xmlns:r="http://schemas.openxmlformats.org/officeDocument/2006/relationships" xmlns:p="http://schemas.openxmlformats.org/presentationml/2006/main">
   <p:cSld>
     <p:spTree>
@@ -4198,7 +4464,7 @@
 </p:sld>
 </file>
 
-<file path=ppt/slides/slide8.xml><?xml version="1.0" encoding="utf-8"?>
+<file path=ppt/slides/slide9.xml><?xml version="1.0" encoding="utf-8"?>
 <p:sld xmlns:a="http://schemas.openxmlformats.org/drawingml/2006/main" xmlns:r="http://schemas.openxmlformats.org/officeDocument/2006/relationships" xmlns:p="http://schemas.openxmlformats.org/presentationml/2006/main">
   <p:cSld>
     <p:spTree>
